--- a/Presentation/Coffee Shop Sales Analysis presentation..pptx
+++ b/Presentation/Coffee Shop Sales Analysis presentation..pptx
@@ -292,7 +292,7 @@
               </a:lnSpc>
               <a:buNone/>
             </a:pPr>
-            <a:fld id="{9CFCFDCA-42CF-433F-9884-CBA69B440BEF}" type="slidenum">
+            <a:fld id="{56170129-9D35-41D0-AF80-085A9605C9EB}" type="slidenum">
               <a:rPr b="0" lang="en-US" sz="1200" strike="noStrike" u="none">
                 <a:solidFill>
                   <a:schemeClr val="dk1">
@@ -856,7 +856,7 @@
               </a:lnSpc>
               <a:buNone/>
             </a:pPr>
-            <a:fld id="{8E07563C-D6D0-4A5D-836A-7C310C4E87B6}" type="slidenum">
+            <a:fld id="{207B1574-7075-4355-ACD3-77E859C70807}" type="slidenum">
               <a:rPr b="0" lang="en-US" sz="1200" strike="noStrike" u="none">
                 <a:solidFill>
                   <a:schemeClr val="dk1">
@@ -1474,7 +1474,7 @@
               </a:lnSpc>
               <a:buNone/>
             </a:pPr>
-            <a:fld id="{3ACCC4EB-7DFC-47CC-97BB-67CCBB862D18}" type="slidenum">
+            <a:fld id="{A0748020-A59C-4622-BBB3-39304E5E21C0}" type="slidenum">
               <a:rPr b="0" lang="en-US" sz="1200" strike="noStrike" u="none">
                 <a:solidFill>
                   <a:schemeClr val="dk1">
@@ -1976,7 +1976,7 @@
               </a:lnSpc>
               <a:buNone/>
             </a:pPr>
-            <a:fld id="{431136FD-FB64-4BFA-9EA8-8183E076082D}" type="slidenum">
+            <a:fld id="{E3F65B0F-AC4A-4CC3-B412-4E9017A5083A}" type="slidenum">
               <a:rPr b="0" lang="en-US" sz="1200" strike="noStrike" u="none">
                 <a:solidFill>
                   <a:schemeClr val="dk1">
@@ -2478,7 +2478,7 @@
               </a:lnSpc>
               <a:buNone/>
             </a:pPr>
-            <a:fld id="{53BCC3D8-A602-476B-8239-FBEF4CF2FDE3}" type="slidenum">
+            <a:fld id="{1F4F8B22-062D-4307-9CC6-E9413FB0A352}" type="slidenum">
               <a:rPr b="0" lang="en-US" sz="1200" strike="noStrike" u="none">
                 <a:solidFill>
                   <a:schemeClr val="dk1">
@@ -2980,7 +2980,7 @@
               </a:lnSpc>
               <a:buNone/>
             </a:pPr>
-            <a:fld id="{7FF8CB2D-5B05-4C7D-B9B2-9CF9B116FDA4}" type="slidenum">
+            <a:fld id="{615985C7-08D1-4CE1-A721-7B5EF0933E5F}" type="slidenum">
               <a:rPr b="0" lang="en-US" sz="1200" strike="noStrike" u="none">
                 <a:solidFill>
                   <a:schemeClr val="dk1">
@@ -3347,7 +3347,7 @@
               </a:lnSpc>
               <a:buNone/>
             </a:pPr>
-            <a:fld id="{A5F54EF4-D3AA-4133-B54B-0CB7CE42A13C}" type="slidenum">
+            <a:fld id="{71C89DEC-B721-400C-BCE6-E24CDD43D178}" type="slidenum">
               <a:rPr b="0" lang="en-US" sz="1200" strike="noStrike" u="none">
                 <a:solidFill>
                   <a:schemeClr val="dk1">
@@ -4048,7 +4048,7 @@
               </a:lnSpc>
               <a:buNone/>
             </a:pPr>
-            <a:fld id="{0D4F4325-32D0-4E40-A5D4-7AD92819909C}" type="slidenum">
+            <a:fld id="{ABB3FCA4-A9FF-4AE6-B795-AC915C0EB402}" type="slidenum">
               <a:rPr b="0" lang="en-US" sz="1200" strike="noStrike" u="none">
                 <a:solidFill>
                   <a:schemeClr val="dk1">
@@ -4873,7 +4873,7 @@
               </a:lnSpc>
               <a:buNone/>
             </a:pPr>
-            <a:fld id="{08FA558B-31DE-4649-A243-D18161B48BDB}" type="slidenum">
+            <a:fld id="{56BD02BE-91F6-4904-B108-7620BCC3D29E}" type="slidenum">
               <a:rPr b="0" lang="en-US" sz="1200" strike="noStrike" u="none">
                 <a:solidFill>
                   <a:schemeClr val="dk1">
@@ -5176,7 +5176,7 @@
               </a:lnSpc>
               <a:buNone/>
             </a:pPr>
-            <a:fld id="{1671FDDA-A1CA-4E48-9D61-34F9BAC57007}" type="slidenum">
+            <a:fld id="{6385D807-370B-4467-B46D-B18B078B989C}" type="slidenum">
               <a:rPr b="0" lang="en-US" sz="1200" strike="noStrike" u="none">
                 <a:solidFill>
                   <a:schemeClr val="dk1">
@@ -5423,7 +5423,7 @@
               </a:lnSpc>
               <a:buNone/>
             </a:pPr>
-            <a:fld id="{63DFB4DF-DE5D-41A2-9E06-A8C0D897ACA9}" type="slidenum">
+            <a:fld id="{1E039492-98B1-44FD-86CB-6B9DE98E23DF}" type="slidenum">
               <a:rPr b="0" lang="en-US" sz="1200" strike="noStrike" u="none">
                 <a:solidFill>
                   <a:schemeClr val="dk1">
@@ -6414,7 +6414,7 @@
                 <a:latin typeface="Times New Roman"/>
                 <a:ea typeface="Times New Roman"/>
               </a:rPr>
-              <a:t>The aim of this project is to analyze coffee sales across our three stores using excel raw transaction data, to uncover patterns, track store performance and provide data driven recommendations to improve revenue and efficiency</a:t>
+              <a:t>The aim of this project is to analyze coffee sales across our three stores using excel raw transaction data, to uncover patterns, track store performance and provide data driven recommendations to improve revenue and efficiency.</a:t>
             </a:r>
             <a:endParaRPr b="0" lang="en-US" sz="1100" strike="noStrike" u="none">
               <a:solidFill>
@@ -6567,7 +6567,7 @@
                 <a:latin typeface="Times New Roman"/>
                 <a:ea typeface="Times New Roman"/>
               </a:rPr>
-              <a:t>The store has just hired a new CEO, whose focus is on revenue, product improvement and growth, this analysis aims to uncover and unpack key insights from sales data to guide for better decision making</a:t>
+              <a:t>The store has just hired a new CEO, whose focus is on revenue, product improvement and growth, this analysis aims to uncover and unpack key insights from sales data to guide for better decision making.</a:t>
             </a:r>
             <a:endParaRPr b="0" lang="en-US" sz="1100" strike="noStrike" u="none">
               <a:solidFill>
@@ -6625,33 +6625,33 @@
         </p:nvSpPr>
         <p:spPr>
           <a:xfrm>
-            <a:off x="476280" y="476640"/>
-            <a:ext cx="2309760" cy="1341360"/>
+            <a:off x="492480" y="513360"/>
+            <a:ext cx="2314440" cy="1238040"/>
           </a:xfrm>
           <a:custGeom>
             <a:avLst/>
             <a:gdLst>
-              <a:gd name="textAreaLeft" fmla="*/ 0 w 2309760"/>
-              <a:gd name="textAreaRight" fmla="*/ 2310120 w 2309760"/>
-              <a:gd name="textAreaTop" fmla="*/ 0 h 1341360"/>
-              <a:gd name="textAreaBottom" fmla="*/ 1341720 h 1341360"/>
+              <a:gd name="textAreaLeft" fmla="*/ 0 w 2314440"/>
+              <a:gd name="textAreaRight" fmla="*/ 2314800 w 2314440"/>
+              <a:gd name="textAreaTop" fmla="*/ 0 h 1238040"/>
+              <a:gd name="textAreaBottom" fmla="*/ 1238400 h 1238040"/>
             </a:gdLst>
             <a:ahLst/>
             <a:cxnLst/>
             <a:rect l="textAreaLeft" t="textAreaTop" r="textAreaRight" b="textAreaBottom"/>
             <a:pathLst>
-              <a:path w="2310190" h="1341825">
+              <a:path w="2314669" h="1238316">
                 <a:moveTo>
                   <a:pt x="0" y="0"/>
                 </a:moveTo>
                 <a:lnTo>
-                  <a:pt x="2310190" y="0"/>
+                  <a:pt x="2314669" y="0"/>
                 </a:lnTo>
                 <a:lnTo>
-                  <a:pt x="2310190" y="1341825"/>
+                  <a:pt x="2314669" y="1238315"/>
                 </a:lnTo>
                 <a:lnTo>
-                  <a:pt x="0" y="1341825"/>
+                  <a:pt x="0" y="1238315"/>
                 </a:lnTo>
                 <a:lnTo>
                   <a:pt x="0" y="0"/>
@@ -6699,33 +6699,33 @@
         </p:nvSpPr>
         <p:spPr>
           <a:xfrm>
-            <a:off x="1836000" y="2381400"/>
-            <a:ext cx="2449800" cy="1392120"/>
+            <a:off x="1899360" y="2272680"/>
+            <a:ext cx="2592000" cy="1482120"/>
           </a:xfrm>
           <a:custGeom>
             <a:avLst/>
             <a:gdLst>
-              <a:gd name="textAreaLeft" fmla="*/ 0 w 2449800"/>
-              <a:gd name="textAreaRight" fmla="*/ 2450160 w 2449800"/>
-              <a:gd name="textAreaTop" fmla="*/ 0 h 1392120"/>
-              <a:gd name="textAreaBottom" fmla="*/ 1392480 h 1392120"/>
+              <a:gd name="textAreaLeft" fmla="*/ 0 w 2592000"/>
+              <a:gd name="textAreaRight" fmla="*/ 2592360 w 2592000"/>
+              <a:gd name="textAreaTop" fmla="*/ 0 h 1482120"/>
+              <a:gd name="textAreaBottom" fmla="*/ 1482480 h 1482120"/>
             </a:gdLst>
             <a:ahLst/>
             <a:cxnLst/>
             <a:rect l="textAreaLeft" t="textAreaTop" r="textAreaRight" b="textAreaBottom"/>
             <a:pathLst>
-              <a:path w="2450108" h="1392609">
+              <a:path w="2592258" h="1482464">
                 <a:moveTo>
                   <a:pt x="0" y="0"/>
                 </a:moveTo>
                 <a:lnTo>
-                  <a:pt x="2450108" y="0"/>
+                  <a:pt x="2592258" y="0"/>
                 </a:lnTo>
                 <a:lnTo>
-                  <a:pt x="2450108" y="1392609"/>
+                  <a:pt x="2592258" y="1482464"/>
                 </a:lnTo>
                 <a:lnTo>
-                  <a:pt x="0" y="1392609"/>
+                  <a:pt x="0" y="1482464"/>
                 </a:lnTo>
                 <a:lnTo>
                   <a:pt x="0" y="0"/>
@@ -6773,8 +6773,8 @@
         </p:nvSpPr>
         <p:spPr>
           <a:xfrm>
-            <a:off x="476280" y="1869480"/>
-            <a:ext cx="3809520" cy="423720"/>
+            <a:off x="468000" y="1795320"/>
+            <a:ext cx="3809520" cy="415440"/>
           </a:xfrm>
           <a:prstGeom prst="rect">
             <a:avLst/>
@@ -6795,9 +6795,9 @@
             <a:spAutoFit/>
           </a:bodyPr>
           <a:p>
-            <a:pPr lvl="1" marL="172800" indent="-86400" defTabSz="914400">
-              <a:lnSpc>
-                <a:spcPts val="1120"/>
+            <a:pPr lvl="1" marL="168480" indent="-84240" defTabSz="914400">
+              <a:lnSpc>
+                <a:spcPts val="1091"/>
               </a:lnSpc>
               <a:buClr>
                 <a:srgbClr val="2a2a2a"/>
@@ -6806,7 +6806,7 @@
               <a:buChar char="•"/>
             </a:pPr>
             <a:r>
-              <a:rPr b="0" lang="en-US" sz="800" strike="noStrike" u="none">
+              <a:rPr b="0" lang="en-US" sz="780" strike="noStrike" u="none">
                 <a:solidFill>
                   <a:srgbClr val="2a2a2a"/>
                 </a:solidFill>
@@ -6815,9 +6815,9 @@
                 <a:latin typeface="Times New Roman"/>
                 <a:ea typeface="Times New Roman"/>
               </a:rPr>
-              <a:t>Months and seasons have different impact in our coffee shop industry, this is visible on the above graph. January and February (summer season) the units sold dipped while we see June having the highest units sold across all our stores.</a:t>
-            </a:r>
-            <a:endParaRPr b="0" lang="en-US" sz="800" strike="noStrike" u="none">
+              <a:t>All our stores are performing at similar levels, with Hell’s Kitchen slightly in the lead with very small margin. It’s safe to say we are doing well as we have a total revenue of 698,812.33 across all our stores.</a:t>
+            </a:r>
+            <a:endParaRPr b="0" lang="en-US" sz="780" strike="noStrike" u="none">
               <a:solidFill>
                 <a:srgbClr val="000000"/>
               </a:solidFill>
@@ -6836,8 +6836,8 @@
         </p:nvSpPr>
         <p:spPr>
           <a:xfrm>
-            <a:off x="476280" y="3823560"/>
-            <a:ext cx="3809520" cy="423720"/>
+            <a:off x="492480" y="3802680"/>
+            <a:ext cx="3793320" cy="415440"/>
           </a:xfrm>
           <a:prstGeom prst="rect">
             <a:avLst/>
@@ -6858,9 +6858,9 @@
             <a:spAutoFit/>
           </a:bodyPr>
           <a:p>
-            <a:pPr lvl="1" marL="172800" indent="-86400" defTabSz="914400">
-              <a:lnSpc>
-                <a:spcPts val="1120"/>
+            <a:pPr lvl="1" marL="168480" indent="-84240" algn="just" defTabSz="914400">
+              <a:lnSpc>
+                <a:spcPts val="1091"/>
               </a:lnSpc>
               <a:buClr>
                 <a:srgbClr val="2a2a2a"/>
@@ -6869,7 +6869,7 @@
               <a:buChar char="•"/>
             </a:pPr>
             <a:r>
-              <a:rPr b="0" lang="en-US" sz="800" strike="noStrike" u="none">
+              <a:rPr b="0" lang="en-US" sz="780" strike="noStrike" u="none">
                 <a:solidFill>
                   <a:srgbClr val="2a2a2a"/>
                 </a:solidFill>
@@ -6878,9 +6878,9 @@
                 <a:latin typeface="Times New Roman"/>
                 <a:ea typeface="Times New Roman"/>
               </a:rPr>
-              <a:t>In all the product types that our stores are making revenue on, these are the top 5, most sold, top contributing product types with Gourmet Brewed Coffee alone in the coffee category bringing home more than 25 000 in June.</a:t>
-            </a:r>
-            <a:endParaRPr b="0" lang="en-US" sz="800" strike="noStrike" u="none">
+              <a:t>Mornings show to be the strongest and busiest time of the day as most of our revenue is made during this period, followed by Afternoons. We also notice that Astoria has sales that are slightly higher compared to the other stores in the Afternoons.</a:t>
+            </a:r>
+            <a:endParaRPr b="0" lang="en-US" sz="780" strike="noStrike" u="none">
               <a:solidFill>
                 <a:srgbClr val="000000"/>
               </a:solidFill>
@@ -6899,33 +6899,33 @@
         </p:nvSpPr>
         <p:spPr>
           <a:xfrm>
-            <a:off x="3427200" y="476280"/>
-            <a:ext cx="858960" cy="803520"/>
+            <a:off x="3357720" y="476280"/>
+            <a:ext cx="920160" cy="897840"/>
           </a:xfrm>
           <a:custGeom>
             <a:avLst/>
             <a:gdLst>
-              <a:gd name="textAreaLeft" fmla="*/ 0 w 858960"/>
-              <a:gd name="textAreaRight" fmla="*/ 859320 w 858960"/>
-              <a:gd name="textAreaTop" fmla="*/ 0 h 803520"/>
-              <a:gd name="textAreaBottom" fmla="*/ 803880 h 803520"/>
+              <a:gd name="textAreaLeft" fmla="*/ 0 w 920160"/>
+              <a:gd name="textAreaRight" fmla="*/ 920520 w 920160"/>
+              <a:gd name="textAreaTop" fmla="*/ 0 h 897840"/>
+              <a:gd name="textAreaBottom" fmla="*/ 898200 h 897840"/>
             </a:gdLst>
             <a:ahLst/>
             <a:cxnLst/>
             <a:rect l="textAreaLeft" t="textAreaTop" r="textAreaRight" b="textAreaBottom"/>
             <a:pathLst>
-              <a:path w="859148" h="803898">
+              <a:path w="920625" h="898185">
                 <a:moveTo>
                   <a:pt x="0" y="0"/>
                 </a:moveTo>
                 <a:lnTo>
-                  <a:pt x="859148" y="0"/>
+                  <a:pt x="920625" y="0"/>
                 </a:lnTo>
                 <a:lnTo>
-                  <a:pt x="859148" y="803898"/>
+                  <a:pt x="920625" y="898185"/>
                 </a:lnTo>
                 <a:lnTo>
-                  <a:pt x="0" y="803898"/>
+                  <a:pt x="0" y="898185"/>
                 </a:lnTo>
                 <a:lnTo>
                   <a:pt x="0" y="0"/>
@@ -7010,33 +7010,33 @@
         </p:nvSpPr>
         <p:spPr>
           <a:xfrm>
-            <a:off x="2091600" y="2505240"/>
-            <a:ext cx="2194200" cy="1336320"/>
+            <a:off x="476280" y="476640"/>
+            <a:ext cx="2309760" cy="1341360"/>
           </a:xfrm>
           <a:custGeom>
             <a:avLst/>
             <a:gdLst>
-              <a:gd name="textAreaLeft" fmla="*/ 0 w 2194200"/>
-              <a:gd name="textAreaRight" fmla="*/ 2194560 w 2194200"/>
-              <a:gd name="textAreaTop" fmla="*/ 0 h 1336320"/>
-              <a:gd name="textAreaBottom" fmla="*/ 1336680 h 1336320"/>
+              <a:gd name="textAreaLeft" fmla="*/ 0 w 2309760"/>
+              <a:gd name="textAreaRight" fmla="*/ 2310120 w 2309760"/>
+              <a:gd name="textAreaTop" fmla="*/ 0 h 1341360"/>
+              <a:gd name="textAreaBottom" fmla="*/ 1341720 h 1341360"/>
             </a:gdLst>
             <a:ahLst/>
             <a:cxnLst/>
             <a:rect l="textAreaLeft" t="textAreaTop" r="textAreaRight" b="textAreaBottom"/>
             <a:pathLst>
-              <a:path w="2194627" h="1336825">
+              <a:path w="2310190" h="1341825">
                 <a:moveTo>
                   <a:pt x="0" y="0"/>
                 </a:moveTo>
                 <a:lnTo>
-                  <a:pt x="2194627" y="0"/>
+                  <a:pt x="2310190" y="0"/>
                 </a:lnTo>
                 <a:lnTo>
-                  <a:pt x="2194627" y="1336825"/>
+                  <a:pt x="2310190" y="1341825"/>
                 </a:lnTo>
                 <a:lnTo>
-                  <a:pt x="0" y="1336825"/>
+                  <a:pt x="0" y="1341825"/>
                 </a:lnTo>
                 <a:lnTo>
                   <a:pt x="0" y="0"/>
@@ -7084,33 +7084,33 @@
         </p:nvSpPr>
         <p:spPr>
           <a:xfrm>
-            <a:off x="498240" y="476280"/>
-            <a:ext cx="2735280" cy="1426680"/>
+            <a:off x="1836000" y="2381400"/>
+            <a:ext cx="2449800" cy="1392120"/>
           </a:xfrm>
           <a:custGeom>
             <a:avLst/>
             <a:gdLst>
-              <a:gd name="textAreaLeft" fmla="*/ 0 w 2735280"/>
-              <a:gd name="textAreaRight" fmla="*/ 2735640 w 2735280"/>
-              <a:gd name="textAreaTop" fmla="*/ 0 h 1426680"/>
-              <a:gd name="textAreaBottom" fmla="*/ 1427040 h 1426680"/>
+              <a:gd name="textAreaLeft" fmla="*/ 0 w 2449800"/>
+              <a:gd name="textAreaRight" fmla="*/ 2450160 w 2449800"/>
+              <a:gd name="textAreaTop" fmla="*/ 0 h 1392120"/>
+              <a:gd name="textAreaBottom" fmla="*/ 1392480 h 1392120"/>
             </a:gdLst>
             <a:ahLst/>
             <a:cxnLst/>
             <a:rect l="textAreaLeft" t="textAreaTop" r="textAreaRight" b="textAreaBottom"/>
             <a:pathLst>
-              <a:path w="2735578" h="1427070">
+              <a:path w="2450108" h="1392609">
                 <a:moveTo>
                   <a:pt x="0" y="0"/>
                 </a:moveTo>
                 <a:lnTo>
-                  <a:pt x="2735578" y="0"/>
+                  <a:pt x="2450108" y="0"/>
                 </a:lnTo>
                 <a:lnTo>
-                  <a:pt x="2735578" y="1427070"/>
+                  <a:pt x="2450108" y="1392609"/>
                 </a:lnTo>
                 <a:lnTo>
-                  <a:pt x="0" y="1427070"/>
+                  <a:pt x="0" y="1392609"/>
                 </a:lnTo>
                 <a:lnTo>
                   <a:pt x="0" y="0"/>
@@ -7158,8 +7158,8 @@
         </p:nvSpPr>
         <p:spPr>
           <a:xfrm>
-            <a:off x="454320" y="1907280"/>
-            <a:ext cx="3809520" cy="559440"/>
+            <a:off x="476280" y="1869480"/>
+            <a:ext cx="3809520" cy="423720"/>
           </a:xfrm>
           <a:prstGeom prst="rect">
             <a:avLst/>
@@ -7185,7 +7185,7 @@
                 <a:spcPts val="1120"/>
               </a:lnSpc>
               <a:buClr>
-                <a:srgbClr val="000000"/>
+                <a:srgbClr val="2a2a2a"/>
               </a:buClr>
               <a:buFont typeface="Arial"/>
               <a:buChar char="•"/>
@@ -7193,14 +7193,14 @@
             <a:r>
               <a:rPr b="0" lang="en-US" sz="800" strike="noStrike" u="none">
                 <a:solidFill>
-                  <a:srgbClr val="000000"/>
+                  <a:srgbClr val="2a2a2a"/>
                 </a:solidFill>
                 <a:effectLst/>
                 <a:uFillTx/>
                 <a:latin typeface="Times New Roman"/>
                 <a:ea typeface="Times New Roman"/>
               </a:rPr>
-              <a:t>We see Barista Expresso being the most preforming product type across all our stores with the highest revenue coming from Hell’s Kitchen, followed by Lower Manhattan, while Astoria has most sales of Brewed Chai Tea, slightly above 25 000 of Hell’s Kitchen. This graph depicts top 5 of our best performing product types.</a:t>
+              <a:t>Months and seasons have different impact in our coffee shop industry, this is visible on the above graph. January and February (summer season) the units sold dipped while we see June having the highest units sold across all our stores.</a:t>
             </a:r>
             <a:endParaRPr b="0" lang="en-US" sz="800" strike="noStrike" u="none">
               <a:solidFill>
@@ -7221,8 +7221,8 @@
         </p:nvSpPr>
         <p:spPr>
           <a:xfrm>
-            <a:off x="476280" y="3862080"/>
-            <a:ext cx="3765960" cy="423720"/>
+            <a:off x="476280" y="3823560"/>
+            <a:ext cx="3809520" cy="423720"/>
           </a:xfrm>
           <a:prstGeom prst="rect">
             <a:avLst/>
@@ -7248,7 +7248,7 @@
                 <a:spcPts val="1120"/>
               </a:lnSpc>
               <a:buClr>
-                <a:srgbClr val="000000"/>
+                <a:srgbClr val="2a2a2a"/>
               </a:buClr>
               <a:buFont typeface="Arial"/>
               <a:buChar char="•"/>
@@ -7256,14 +7256,14 @@
             <a:r>
               <a:rPr b="0" lang="en-US" sz="800" strike="noStrike" u="none">
                 <a:solidFill>
-                  <a:srgbClr val="000000"/>
+                  <a:srgbClr val="2a2a2a"/>
                 </a:solidFill>
                 <a:effectLst/>
                 <a:uFillTx/>
                 <a:latin typeface="Times New Roman"/>
                 <a:ea typeface="Times New Roman"/>
               </a:rPr>
-              <a:t>The above graph shows the top selling product details per store, with dark chocolate in our Astoria store leading and cappuccino Lg doing relatively well in all our stores.</a:t>
+              <a:t>In all the product types that our stores are making revenue on, these are the top 5, most sold, top contributing product types with Gourmet Brewed Coffee alone in the coffee category bringing home more than 25 000 in June.</a:t>
             </a:r>
             <a:endParaRPr b="0" lang="en-US" sz="800" strike="noStrike" u="none">
               <a:solidFill>
@@ -7284,33 +7284,33 @@
         </p:nvSpPr>
         <p:spPr>
           <a:xfrm>
-            <a:off x="3453120" y="476280"/>
-            <a:ext cx="832680" cy="812520"/>
+            <a:off x="3427200" y="476280"/>
+            <a:ext cx="858960" cy="803520"/>
           </a:xfrm>
           <a:custGeom>
             <a:avLst/>
             <a:gdLst>
-              <a:gd name="textAreaLeft" fmla="*/ 0 w 832680"/>
-              <a:gd name="textAreaRight" fmla="*/ 833040 w 832680"/>
-              <a:gd name="textAreaTop" fmla="*/ 0 h 812520"/>
-              <a:gd name="textAreaBottom" fmla="*/ 812880 h 812520"/>
+              <a:gd name="textAreaLeft" fmla="*/ 0 w 858960"/>
+              <a:gd name="textAreaRight" fmla="*/ 859320 w 858960"/>
+              <a:gd name="textAreaTop" fmla="*/ 0 h 803520"/>
+              <a:gd name="textAreaBottom" fmla="*/ 803880 h 803520"/>
             </a:gdLst>
             <a:ahLst/>
             <a:cxnLst/>
             <a:rect l="textAreaLeft" t="textAreaTop" r="textAreaRight" b="textAreaBottom"/>
             <a:pathLst>
-              <a:path w="833083" h="812776">
+              <a:path w="859148" h="803898">
                 <a:moveTo>
                   <a:pt x="0" y="0"/>
                 </a:moveTo>
                 <a:lnTo>
-                  <a:pt x="833083" y="0"/>
+                  <a:pt x="859148" y="0"/>
                 </a:lnTo>
                 <a:lnTo>
-                  <a:pt x="833083" y="812776"/>
+                  <a:pt x="859148" y="803898"/>
                 </a:lnTo>
                 <a:lnTo>
-                  <a:pt x="0" y="812776"/>
+                  <a:pt x="0" y="803898"/>
                 </a:lnTo>
                 <a:lnTo>
                   <a:pt x="0" y="0"/>
@@ -7395,33 +7395,33 @@
         </p:nvSpPr>
         <p:spPr>
           <a:xfrm>
-            <a:off x="492480" y="513360"/>
-            <a:ext cx="2314440" cy="1238040"/>
+            <a:off x="2091600" y="2505240"/>
+            <a:ext cx="2194200" cy="1336320"/>
           </a:xfrm>
           <a:custGeom>
             <a:avLst/>
             <a:gdLst>
-              <a:gd name="textAreaLeft" fmla="*/ 0 w 2314440"/>
-              <a:gd name="textAreaRight" fmla="*/ 2314800 w 2314440"/>
-              <a:gd name="textAreaTop" fmla="*/ 0 h 1238040"/>
-              <a:gd name="textAreaBottom" fmla="*/ 1238400 h 1238040"/>
+              <a:gd name="textAreaLeft" fmla="*/ 0 w 2194200"/>
+              <a:gd name="textAreaRight" fmla="*/ 2194560 w 2194200"/>
+              <a:gd name="textAreaTop" fmla="*/ 0 h 1336320"/>
+              <a:gd name="textAreaBottom" fmla="*/ 1336680 h 1336320"/>
             </a:gdLst>
             <a:ahLst/>
             <a:cxnLst/>
             <a:rect l="textAreaLeft" t="textAreaTop" r="textAreaRight" b="textAreaBottom"/>
             <a:pathLst>
-              <a:path w="2314669" h="1238316">
+              <a:path w="2194627" h="1336825">
                 <a:moveTo>
                   <a:pt x="0" y="0"/>
                 </a:moveTo>
                 <a:lnTo>
-                  <a:pt x="2314669" y="0"/>
+                  <a:pt x="2194627" y="0"/>
                 </a:lnTo>
                 <a:lnTo>
-                  <a:pt x="2314669" y="1238315"/>
+                  <a:pt x="2194627" y="1336825"/>
                 </a:lnTo>
                 <a:lnTo>
-                  <a:pt x="0" y="1238315"/>
+                  <a:pt x="0" y="1336825"/>
                 </a:lnTo>
                 <a:lnTo>
                   <a:pt x="0" y="0"/>
@@ -7469,33 +7469,33 @@
         </p:nvSpPr>
         <p:spPr>
           <a:xfrm>
-            <a:off x="1899360" y="2272680"/>
-            <a:ext cx="2592000" cy="1482120"/>
+            <a:off x="498240" y="476280"/>
+            <a:ext cx="2735280" cy="1426680"/>
           </a:xfrm>
           <a:custGeom>
             <a:avLst/>
             <a:gdLst>
-              <a:gd name="textAreaLeft" fmla="*/ 0 w 2592000"/>
-              <a:gd name="textAreaRight" fmla="*/ 2592360 w 2592000"/>
-              <a:gd name="textAreaTop" fmla="*/ 0 h 1482120"/>
-              <a:gd name="textAreaBottom" fmla="*/ 1482480 h 1482120"/>
+              <a:gd name="textAreaLeft" fmla="*/ 0 w 2735280"/>
+              <a:gd name="textAreaRight" fmla="*/ 2735640 w 2735280"/>
+              <a:gd name="textAreaTop" fmla="*/ 0 h 1426680"/>
+              <a:gd name="textAreaBottom" fmla="*/ 1427040 h 1426680"/>
             </a:gdLst>
             <a:ahLst/>
             <a:cxnLst/>
             <a:rect l="textAreaLeft" t="textAreaTop" r="textAreaRight" b="textAreaBottom"/>
             <a:pathLst>
-              <a:path w="2592258" h="1482464">
+              <a:path w="2735578" h="1427070">
                 <a:moveTo>
                   <a:pt x="0" y="0"/>
                 </a:moveTo>
                 <a:lnTo>
-                  <a:pt x="2592258" y="0"/>
+                  <a:pt x="2735578" y="0"/>
                 </a:lnTo>
                 <a:lnTo>
-                  <a:pt x="2592258" y="1482464"/>
+                  <a:pt x="2735578" y="1427070"/>
                 </a:lnTo>
                 <a:lnTo>
-                  <a:pt x="0" y="1482464"/>
+                  <a:pt x="0" y="1427070"/>
                 </a:lnTo>
                 <a:lnTo>
                   <a:pt x="0" y="0"/>
@@ -7543,8 +7543,8 @@
         </p:nvSpPr>
         <p:spPr>
           <a:xfrm>
-            <a:off x="468000" y="1795320"/>
-            <a:ext cx="3809520" cy="404640"/>
+            <a:off x="454320" y="1907280"/>
+            <a:ext cx="3809520" cy="559440"/>
           </a:xfrm>
           <a:prstGeom prst="rect">
             <a:avLst/>
@@ -7565,29 +7565,29 @@
             <a:spAutoFit/>
           </a:bodyPr>
           <a:p>
-            <a:pPr lvl="1" marL="168480" indent="-84240" defTabSz="914400">
-              <a:lnSpc>
-                <a:spcPts val="1091"/>
+            <a:pPr lvl="1" marL="172800" indent="-86400" defTabSz="914400">
+              <a:lnSpc>
+                <a:spcPts val="1120"/>
               </a:lnSpc>
               <a:buClr>
-                <a:srgbClr val="2a2a2a"/>
+                <a:srgbClr val="000000"/>
               </a:buClr>
               <a:buFont typeface="Arial"/>
               <a:buChar char="•"/>
             </a:pPr>
             <a:r>
-              <a:rPr b="0" lang="en-US" sz="780" strike="noStrike" u="none">
-                <a:solidFill>
-                  <a:srgbClr val="2a2a2a"/>
+              <a:rPr b="0" lang="en-US" sz="800" strike="noStrike" u="none">
+                <a:solidFill>
+                  <a:srgbClr val="000000"/>
                 </a:solidFill>
                 <a:effectLst/>
                 <a:uFillTx/>
                 <a:latin typeface="Times New Roman"/>
                 <a:ea typeface="Times New Roman"/>
               </a:rPr>
-              <a:t>All our stores are performing at similar levels, with Hell’s Kitchen slightly in the lead with very small margin. It’s safe to say we are doing well as we have a total revenue of 698,812.33 across all our stores.</a:t>
-            </a:r>
-            <a:endParaRPr b="0" lang="en-US" sz="780" strike="noStrike" u="none">
+              <a:t>We see Barista Expresso being the most preforming product type across all our stores with the highest revenue coming from Hell’s Kitchen, followed by Lower Manhattan, while Astoria has most sales of Brewed Chai Tea, slightly above 25 000 of Hell’s Kitchen. This graph depicts top 5 of our best performing product types.</a:t>
+            </a:r>
+            <a:endParaRPr b="0" lang="en-US" sz="800" strike="noStrike" u="none">
               <a:solidFill>
                 <a:srgbClr val="000000"/>
               </a:solidFill>
@@ -7606,8 +7606,8 @@
         </p:nvSpPr>
         <p:spPr>
           <a:xfrm>
-            <a:off x="492480" y="3802680"/>
-            <a:ext cx="3793320" cy="404640"/>
+            <a:off x="476280" y="3862080"/>
+            <a:ext cx="3765960" cy="423720"/>
           </a:xfrm>
           <a:prstGeom prst="rect">
             <a:avLst/>
@@ -7628,29 +7628,29 @@
             <a:spAutoFit/>
           </a:bodyPr>
           <a:p>
-            <a:pPr lvl="1" marL="168480" indent="-84240" algn="just" defTabSz="914400">
-              <a:lnSpc>
-                <a:spcPts val="1091"/>
+            <a:pPr lvl="1" marL="172800" indent="-86400" defTabSz="914400">
+              <a:lnSpc>
+                <a:spcPts val="1120"/>
               </a:lnSpc>
               <a:buClr>
-                <a:srgbClr val="2a2a2a"/>
+                <a:srgbClr val="000000"/>
               </a:buClr>
               <a:buFont typeface="Arial"/>
               <a:buChar char="•"/>
             </a:pPr>
             <a:r>
-              <a:rPr b="0" lang="en-US" sz="780" strike="noStrike" u="none">
-                <a:solidFill>
-                  <a:srgbClr val="2a2a2a"/>
+              <a:rPr b="0" lang="en-US" sz="800" strike="noStrike" u="none">
+                <a:solidFill>
+                  <a:srgbClr val="000000"/>
                 </a:solidFill>
                 <a:effectLst/>
                 <a:uFillTx/>
                 <a:latin typeface="Times New Roman"/>
                 <a:ea typeface="Times New Roman"/>
               </a:rPr>
-              <a:t>Mornings show to be the strongest and busiest time of the day as most of our revenue is made during this period, followed by Afternoons. We also notice that Astoria has sales that are slightly higher compared to the other stores in the Afternoons.</a:t>
-            </a:r>
-            <a:endParaRPr b="0" lang="en-US" sz="780" strike="noStrike" u="none">
+              <a:t>The above graph shows the top selling product details per store, with dark chocolate in our Astoria store leading and cappuccino Lg doing relatively well in all our stores.</a:t>
+            </a:r>
+            <a:endParaRPr b="0" lang="en-US" sz="800" strike="noStrike" u="none">
               <a:solidFill>
                 <a:srgbClr val="000000"/>
               </a:solidFill>
@@ -7669,33 +7669,33 @@
         </p:nvSpPr>
         <p:spPr>
           <a:xfrm>
-            <a:off x="3357720" y="476280"/>
-            <a:ext cx="920160" cy="897840"/>
+            <a:off x="3453120" y="476280"/>
+            <a:ext cx="832680" cy="812520"/>
           </a:xfrm>
           <a:custGeom>
             <a:avLst/>
             <a:gdLst>
-              <a:gd name="textAreaLeft" fmla="*/ 0 w 920160"/>
-              <a:gd name="textAreaRight" fmla="*/ 920520 w 920160"/>
-              <a:gd name="textAreaTop" fmla="*/ 0 h 897840"/>
-              <a:gd name="textAreaBottom" fmla="*/ 898200 h 897840"/>
+              <a:gd name="textAreaLeft" fmla="*/ 0 w 832680"/>
+              <a:gd name="textAreaRight" fmla="*/ 833040 w 832680"/>
+              <a:gd name="textAreaTop" fmla="*/ 0 h 812520"/>
+              <a:gd name="textAreaBottom" fmla="*/ 812880 h 812520"/>
             </a:gdLst>
             <a:ahLst/>
             <a:cxnLst/>
             <a:rect l="textAreaLeft" t="textAreaTop" r="textAreaRight" b="textAreaBottom"/>
             <a:pathLst>
-              <a:path w="920625" h="898185">
+              <a:path w="833083" h="812776">
                 <a:moveTo>
                   <a:pt x="0" y="0"/>
                 </a:moveTo>
                 <a:lnTo>
-                  <a:pt x="920625" y="0"/>
+                  <a:pt x="833083" y="0"/>
                 </a:lnTo>
                 <a:lnTo>
-                  <a:pt x="920625" y="898185"/>
+                  <a:pt x="833083" y="812776"/>
                 </a:lnTo>
                 <a:lnTo>
-                  <a:pt x="0" y="898185"/>
+                  <a:pt x="0" y="812776"/>
                 </a:lnTo>
                 <a:lnTo>
                   <a:pt x="0" y="0"/>
